--- a/Clock Face.pptx
+++ b/Clock Face.pptx
@@ -243,7 +243,7 @@
           <a:p>
             <a:fld id="{BF3B6D27-4EE1-4087-BA4E-51819829E6F4}" type="datetimeFigureOut">
               <a:rPr lang="en-US" smtClean="0"/>
-              <a:t>4/25/2025</a:t>
+              <a:t>5/19/2025</a:t>
             </a:fld>
             <a:endParaRPr lang="en-US"/>
           </a:p>
@@ -413,7 +413,7 @@
           <a:p>
             <a:fld id="{BF3B6D27-4EE1-4087-BA4E-51819829E6F4}" type="datetimeFigureOut">
               <a:rPr lang="en-US" smtClean="0"/>
-              <a:t>4/25/2025</a:t>
+              <a:t>5/19/2025</a:t>
             </a:fld>
             <a:endParaRPr lang="en-US"/>
           </a:p>
@@ -593,7 +593,7 @@
           <a:p>
             <a:fld id="{BF3B6D27-4EE1-4087-BA4E-51819829E6F4}" type="datetimeFigureOut">
               <a:rPr lang="en-US" smtClean="0"/>
-              <a:t>4/25/2025</a:t>
+              <a:t>5/19/2025</a:t>
             </a:fld>
             <a:endParaRPr lang="en-US"/>
           </a:p>
@@ -763,7 +763,7 @@
           <a:p>
             <a:fld id="{BF3B6D27-4EE1-4087-BA4E-51819829E6F4}" type="datetimeFigureOut">
               <a:rPr lang="en-US" smtClean="0"/>
-              <a:t>4/25/2025</a:t>
+              <a:t>5/19/2025</a:t>
             </a:fld>
             <a:endParaRPr lang="en-US"/>
           </a:p>
@@ -1009,7 +1009,7 @@
           <a:p>
             <a:fld id="{BF3B6D27-4EE1-4087-BA4E-51819829E6F4}" type="datetimeFigureOut">
               <a:rPr lang="en-US" smtClean="0"/>
-              <a:t>4/25/2025</a:t>
+              <a:t>5/19/2025</a:t>
             </a:fld>
             <a:endParaRPr lang="en-US"/>
           </a:p>
@@ -1241,7 +1241,7 @@
           <a:p>
             <a:fld id="{BF3B6D27-4EE1-4087-BA4E-51819829E6F4}" type="datetimeFigureOut">
               <a:rPr lang="en-US" smtClean="0"/>
-              <a:t>4/25/2025</a:t>
+              <a:t>5/19/2025</a:t>
             </a:fld>
             <a:endParaRPr lang="en-US"/>
           </a:p>
@@ -1608,7 +1608,7 @@
           <a:p>
             <a:fld id="{BF3B6D27-4EE1-4087-BA4E-51819829E6F4}" type="datetimeFigureOut">
               <a:rPr lang="en-US" smtClean="0"/>
-              <a:t>4/25/2025</a:t>
+              <a:t>5/19/2025</a:t>
             </a:fld>
             <a:endParaRPr lang="en-US"/>
           </a:p>
@@ -1726,7 +1726,7 @@
           <a:p>
             <a:fld id="{BF3B6D27-4EE1-4087-BA4E-51819829E6F4}" type="datetimeFigureOut">
               <a:rPr lang="en-US" smtClean="0"/>
-              <a:t>4/25/2025</a:t>
+              <a:t>5/19/2025</a:t>
             </a:fld>
             <a:endParaRPr lang="en-US"/>
           </a:p>
@@ -1821,7 +1821,7 @@
           <a:p>
             <a:fld id="{BF3B6D27-4EE1-4087-BA4E-51819829E6F4}" type="datetimeFigureOut">
               <a:rPr lang="en-US" smtClean="0"/>
-              <a:t>4/25/2025</a:t>
+              <a:t>5/19/2025</a:t>
             </a:fld>
             <a:endParaRPr lang="en-US"/>
           </a:p>
@@ -2098,7 +2098,7 @@
           <a:p>
             <a:fld id="{BF3B6D27-4EE1-4087-BA4E-51819829E6F4}" type="datetimeFigureOut">
               <a:rPr lang="en-US" smtClean="0"/>
-              <a:t>4/25/2025</a:t>
+              <a:t>5/19/2025</a:t>
             </a:fld>
             <a:endParaRPr lang="en-US"/>
           </a:p>
@@ -2355,7 +2355,7 @@
           <a:p>
             <a:fld id="{BF3B6D27-4EE1-4087-BA4E-51819829E6F4}" type="datetimeFigureOut">
               <a:rPr lang="en-US" smtClean="0"/>
-              <a:t>4/25/2025</a:t>
+              <a:t>5/19/2025</a:t>
             </a:fld>
             <a:endParaRPr lang="en-US"/>
           </a:p>
@@ -2568,7 +2568,7 @@
           <a:p>
             <a:fld id="{BF3B6D27-4EE1-4087-BA4E-51819829E6F4}" type="datetimeFigureOut">
               <a:rPr lang="en-US" smtClean="0"/>
-              <a:t>4/25/2025</a:t>
+              <a:t>5/19/2025</a:t>
             </a:fld>
             <a:endParaRPr lang="en-US"/>
           </a:p>
@@ -19169,7 +19169,7 @@
         </p:nvSpPr>
         <p:spPr>
           <a:xfrm>
-            <a:off x="17314320" y="5120794"/>
+            <a:off x="17301620" y="5106940"/>
             <a:ext cx="207986" cy="207986"/>
           </a:xfrm>
           <a:prstGeom prst="ellipse">
@@ -19350,7 +19350,7 @@
             <a:avLst/>
           </a:prstGeom>
           <a:solidFill>
-            <a:srgbClr val="FF0000"/>
+            <a:schemeClr val="accent2"/>
           </a:solidFill>
           <a:ln>
             <a:solidFill>
@@ -20916,7 +20916,7 @@
             <a:avLst/>
           </a:prstGeom>
           <a:solidFill>
-            <a:srgbClr val="FF0000"/>
+            <a:schemeClr val="accent2"/>
           </a:solidFill>
           <a:ln>
             <a:solidFill>
@@ -21557,8 +21557,8 @@
         </p:nvSpPr>
         <p:spPr>
           <a:xfrm>
-            <a:off x="12990286" y="2779486"/>
-            <a:ext cx="6328228" cy="6328228"/>
+            <a:off x="13493750" y="3231837"/>
+            <a:ext cx="5264150" cy="5264150"/>
           </a:xfrm>
           <a:prstGeom prst="ellipse">
             <a:avLst/>
